--- a/Capstone Project - OCT20B- Milestone 1.pptx
+++ b/Capstone Project - OCT20B- Milestone 1.pptx
@@ -4,6 +4,9 @@
   <p:sldMasterIdLst>
     <p:sldMasterId id="2147483648" r:id="rId1"/>
   </p:sldMasterIdLst>
+  <p:notesMasterIdLst>
+    <p:notesMasterId r:id="rId9"/>
+  </p:notesMasterIdLst>
   <p:sldIdLst>
     <p:sldId id="256" r:id="rId2"/>
     <p:sldId id="257" r:id="rId3"/>
@@ -18,27 +21,27 @@
   <p:embeddedFontLst>
     <p:embeddedFont>
       <p:font typeface="Calibri" panose="020F0502020204030204" pitchFamily="34" charset="0"/>
-      <p:regular r:id="rId9"/>
-      <p:bold r:id="rId10"/>
-      <p:italic r:id="rId11"/>
-      <p:boldItalic r:id="rId12"/>
+      <p:regular r:id="rId10"/>
+      <p:bold r:id="rId11"/>
+      <p:italic r:id="rId12"/>
+      <p:boldItalic r:id="rId13"/>
     </p:embeddedFont>
     <p:embeddedFont>
-      <p:font typeface="Glacial Indifference" pitchFamily="2" charset="0"/>
-      <p:regular r:id="rId13"/>
+      <p:font typeface="Glacial Indifference" panose="020B0604020202020204" charset="0"/>
+      <p:regular r:id="rId14"/>
     </p:embeddedFont>
     <p:embeddedFont>
-      <p:font typeface="Glacial Indifference Bold" pitchFamily="2" charset="0"/>
-      <p:regular r:id="rId14"/>
-      <p:bold r:id="rId15"/>
+      <p:font typeface="Glacial Indifference Bold" panose="020B0604020202020204" charset="0"/>
+      <p:regular r:id="rId15"/>
+      <p:bold r:id="rId16"/>
     </p:embeddedFont>
     <p:embeddedFont>
-      <p:font typeface="Open Sauce Light" pitchFamily="2" charset="77"/>
-      <p:regular r:id="rId16"/>
+      <p:font typeface="Open Sauce Light" panose="020B0604020202020204" charset="0"/>
+      <p:regular r:id="rId17"/>
     </p:embeddedFont>
     <p:embeddedFont>
-      <p:font typeface="Open Sauce Light Bold" pitchFamily="2" charset="77"/>
-      <p:regular r:id="rId17"/>
+      <p:font typeface="Open Sauce Light Bold" panose="020B0604020202020204" charset="0"/>
+      <p:regular r:id="rId18"/>
     </p:embeddedFont>
   </p:embeddedFontLst>
   <p:defaultTextStyle>
@@ -155,6 +158,440 @@
 </p:presentation>
 </file>
 
+<file path=ppt/notesMasters/notesMaster1.xml><?xml version="1.0" encoding="utf-8"?>
+<p:notesMaster xmlns:a="http://schemas.openxmlformats.org/drawingml/2006/main" xmlns:r="http://schemas.openxmlformats.org/officeDocument/2006/relationships" xmlns:p="http://schemas.openxmlformats.org/presentationml/2006/main">
+  <p:cSld>
+    <p:bg>
+      <p:bgRef idx="1001">
+        <a:schemeClr val="bg1"/>
+      </p:bgRef>
+    </p:bg>
+    <p:spTree>
+      <p:nvGrpSpPr>
+        <p:cNvPr id="1" name=""/>
+        <p:cNvGrpSpPr/>
+        <p:nvPr/>
+      </p:nvGrpSpPr>
+      <p:grpSpPr>
+        <a:xfrm>
+          <a:off x="0" y="0"/>
+          <a:ext cx="0" cy="0"/>
+          <a:chOff x="0" y="0"/>
+          <a:chExt cx="0" cy="0"/>
+        </a:xfrm>
+      </p:grpSpPr>
+      <p:sp>
+        <p:nvSpPr>
+          <p:cNvPr id="2" name="Header Placeholder 1"/>
+          <p:cNvSpPr>
+            <a:spLocks noGrp="1"/>
+          </p:cNvSpPr>
+          <p:nvPr>
+            <p:ph type="hdr" sz="quarter"/>
+          </p:nvPr>
+        </p:nvSpPr>
+        <p:spPr>
+          <a:xfrm>
+            <a:off x="0" y="0"/>
+            <a:ext cx="2971800" cy="458788"/>
+          </a:xfrm>
+          <a:prstGeom prst="rect">
+            <a:avLst/>
+          </a:prstGeom>
+        </p:spPr>
+        <p:txBody>
+          <a:bodyPr vert="horz" lIns="91440" tIns="45720" rIns="91440" bIns="45720" rtlCol="0"/>
+          <a:lstStyle>
+            <a:lvl1pPr algn="l">
+              <a:defRPr sz="1200"/>
+            </a:lvl1pPr>
+          </a:lstStyle>
+          <a:p>
+            <a:endParaRPr lang="en-IN"/>
+          </a:p>
+        </p:txBody>
+      </p:sp>
+      <p:sp>
+        <p:nvSpPr>
+          <p:cNvPr id="3" name="Date Placeholder 2"/>
+          <p:cNvSpPr>
+            <a:spLocks noGrp="1"/>
+          </p:cNvSpPr>
+          <p:nvPr>
+            <p:ph type="dt" idx="1"/>
+          </p:nvPr>
+        </p:nvSpPr>
+        <p:spPr>
+          <a:xfrm>
+            <a:off x="3884613" y="0"/>
+            <a:ext cx="2971800" cy="458788"/>
+          </a:xfrm>
+          <a:prstGeom prst="rect">
+            <a:avLst/>
+          </a:prstGeom>
+        </p:spPr>
+        <p:txBody>
+          <a:bodyPr vert="horz" lIns="91440" tIns="45720" rIns="91440" bIns="45720" rtlCol="0"/>
+          <a:lstStyle>
+            <a:lvl1pPr algn="r">
+              <a:defRPr sz="1200"/>
+            </a:lvl1pPr>
+          </a:lstStyle>
+          <a:p>
+            <a:fld id="{7A60BC59-F8D2-4799-9AEC-7AA8370FB86C}" type="datetimeFigureOut">
+              <a:rPr lang="en-IN" smtClean="0"/>
+              <a:t>07-01-2021</a:t>
+            </a:fld>
+            <a:endParaRPr lang="en-IN"/>
+          </a:p>
+        </p:txBody>
+      </p:sp>
+      <p:sp>
+        <p:nvSpPr>
+          <p:cNvPr id="4" name="Slide Image Placeholder 3"/>
+          <p:cNvSpPr>
+            <a:spLocks noGrp="1" noRot="1" noChangeAspect="1"/>
+          </p:cNvSpPr>
+          <p:nvPr>
+            <p:ph type="sldImg" idx="2"/>
+          </p:nvPr>
+        </p:nvSpPr>
+        <p:spPr>
+          <a:xfrm>
+            <a:off x="685800" y="1143000"/>
+            <a:ext cx="5486400" cy="3086100"/>
+          </a:xfrm>
+          <a:prstGeom prst="rect">
+            <a:avLst/>
+          </a:prstGeom>
+          <a:noFill/>
+          <a:ln w="12700">
+            <a:solidFill>
+              <a:prstClr val="black"/>
+            </a:solidFill>
+          </a:ln>
+        </p:spPr>
+        <p:txBody>
+          <a:bodyPr vert="horz" lIns="91440" tIns="45720" rIns="91440" bIns="45720" rtlCol="0" anchor="ctr"/>
+          <a:lstStyle/>
+          <a:p>
+            <a:endParaRPr lang="en-IN"/>
+          </a:p>
+        </p:txBody>
+      </p:sp>
+      <p:sp>
+        <p:nvSpPr>
+          <p:cNvPr id="5" name="Notes Placeholder 4"/>
+          <p:cNvSpPr>
+            <a:spLocks noGrp="1"/>
+          </p:cNvSpPr>
+          <p:nvPr>
+            <p:ph type="body" sz="quarter" idx="3"/>
+          </p:nvPr>
+        </p:nvSpPr>
+        <p:spPr>
+          <a:xfrm>
+            <a:off x="685800" y="4400550"/>
+            <a:ext cx="5486400" cy="3600450"/>
+          </a:xfrm>
+          <a:prstGeom prst="rect">
+            <a:avLst/>
+          </a:prstGeom>
+        </p:spPr>
+        <p:txBody>
+          <a:bodyPr vert="horz" lIns="91440" tIns="45720" rIns="91440" bIns="45720" rtlCol="0"/>
+          <a:lstStyle/>
+          <a:p>
+            <a:pPr lvl="0"/>
+            <a:r>
+              <a:rPr lang="en-US"/>
+              <a:t>Click to edit Master text styles</a:t>
+            </a:r>
+          </a:p>
+          <a:p>
+            <a:pPr lvl="1"/>
+            <a:r>
+              <a:rPr lang="en-US"/>
+              <a:t>Second level</a:t>
+            </a:r>
+          </a:p>
+          <a:p>
+            <a:pPr lvl="2"/>
+            <a:r>
+              <a:rPr lang="en-US"/>
+              <a:t>Third level</a:t>
+            </a:r>
+          </a:p>
+          <a:p>
+            <a:pPr lvl="3"/>
+            <a:r>
+              <a:rPr lang="en-US"/>
+              <a:t>Fourth level</a:t>
+            </a:r>
+          </a:p>
+          <a:p>
+            <a:pPr lvl="4"/>
+            <a:r>
+              <a:rPr lang="en-US"/>
+              <a:t>Fifth level</a:t>
+            </a:r>
+            <a:endParaRPr lang="en-IN"/>
+          </a:p>
+        </p:txBody>
+      </p:sp>
+      <p:sp>
+        <p:nvSpPr>
+          <p:cNvPr id="6" name="Footer Placeholder 5"/>
+          <p:cNvSpPr>
+            <a:spLocks noGrp="1"/>
+          </p:cNvSpPr>
+          <p:nvPr>
+            <p:ph type="ftr" sz="quarter" idx="4"/>
+          </p:nvPr>
+        </p:nvSpPr>
+        <p:spPr>
+          <a:xfrm>
+            <a:off x="0" y="8685213"/>
+            <a:ext cx="2971800" cy="458787"/>
+          </a:xfrm>
+          <a:prstGeom prst="rect">
+            <a:avLst/>
+          </a:prstGeom>
+        </p:spPr>
+        <p:txBody>
+          <a:bodyPr vert="horz" lIns="91440" tIns="45720" rIns="91440" bIns="45720" rtlCol="0" anchor="b"/>
+          <a:lstStyle>
+            <a:lvl1pPr algn="l">
+              <a:defRPr sz="1200"/>
+            </a:lvl1pPr>
+          </a:lstStyle>
+          <a:p>
+            <a:endParaRPr lang="en-IN"/>
+          </a:p>
+        </p:txBody>
+      </p:sp>
+      <p:sp>
+        <p:nvSpPr>
+          <p:cNvPr id="7" name="Slide Number Placeholder 6"/>
+          <p:cNvSpPr>
+            <a:spLocks noGrp="1"/>
+          </p:cNvSpPr>
+          <p:nvPr>
+            <p:ph type="sldNum" sz="quarter" idx="5"/>
+          </p:nvPr>
+        </p:nvSpPr>
+        <p:spPr>
+          <a:xfrm>
+            <a:off x="3884613" y="8685213"/>
+            <a:ext cx="2971800" cy="458787"/>
+          </a:xfrm>
+          <a:prstGeom prst="rect">
+            <a:avLst/>
+          </a:prstGeom>
+        </p:spPr>
+        <p:txBody>
+          <a:bodyPr vert="horz" lIns="91440" tIns="45720" rIns="91440" bIns="45720" rtlCol="0" anchor="b"/>
+          <a:lstStyle>
+            <a:lvl1pPr algn="r">
+              <a:defRPr sz="1200"/>
+            </a:lvl1pPr>
+          </a:lstStyle>
+          <a:p>
+            <a:fld id="{F263D0F4-1BA0-4A75-9088-FAA39D084E44}" type="slidenum">
+              <a:rPr lang="en-IN" smtClean="0"/>
+              <a:t>‹#›</a:t>
+            </a:fld>
+            <a:endParaRPr lang="en-IN"/>
+          </a:p>
+        </p:txBody>
+      </p:sp>
+    </p:spTree>
+    <p:extLst>
+      <p:ext uri="{BB962C8B-B14F-4D97-AF65-F5344CB8AC3E}">
+        <p14:creationId xmlns:p14="http://schemas.microsoft.com/office/powerpoint/2010/main" val="2491190484"/>
+      </p:ext>
+    </p:extLst>
+  </p:cSld>
+  <p:clrMap bg1="lt1" tx1="dk1" bg2="lt2" tx2="dk2" accent1="accent1" accent2="accent2" accent3="accent3" accent4="accent4" accent5="accent5" accent6="accent6" hlink="hlink" folHlink="folHlink"/>
+  <p:notesStyle>
+    <a:lvl1pPr marL="0" algn="l" defTabSz="914400" rtl="0" eaLnBrk="1" latinLnBrk="0" hangingPunct="1">
+      <a:defRPr sz="1200" kern="1200">
+        <a:solidFill>
+          <a:schemeClr val="tx1"/>
+        </a:solidFill>
+        <a:latin typeface="+mn-lt"/>
+        <a:ea typeface="+mn-ea"/>
+        <a:cs typeface="+mn-cs"/>
+      </a:defRPr>
+    </a:lvl1pPr>
+    <a:lvl2pPr marL="457200" algn="l" defTabSz="914400" rtl="0" eaLnBrk="1" latinLnBrk="0" hangingPunct="1">
+      <a:defRPr sz="1200" kern="1200">
+        <a:solidFill>
+          <a:schemeClr val="tx1"/>
+        </a:solidFill>
+        <a:latin typeface="+mn-lt"/>
+        <a:ea typeface="+mn-ea"/>
+        <a:cs typeface="+mn-cs"/>
+      </a:defRPr>
+    </a:lvl2pPr>
+    <a:lvl3pPr marL="914400" algn="l" defTabSz="914400" rtl="0" eaLnBrk="1" latinLnBrk="0" hangingPunct="1">
+      <a:defRPr sz="1200" kern="1200">
+        <a:solidFill>
+          <a:schemeClr val="tx1"/>
+        </a:solidFill>
+        <a:latin typeface="+mn-lt"/>
+        <a:ea typeface="+mn-ea"/>
+        <a:cs typeface="+mn-cs"/>
+      </a:defRPr>
+    </a:lvl3pPr>
+    <a:lvl4pPr marL="1371600" algn="l" defTabSz="914400" rtl="0" eaLnBrk="1" latinLnBrk="0" hangingPunct="1">
+      <a:defRPr sz="1200" kern="1200">
+        <a:solidFill>
+          <a:schemeClr val="tx1"/>
+        </a:solidFill>
+        <a:latin typeface="+mn-lt"/>
+        <a:ea typeface="+mn-ea"/>
+        <a:cs typeface="+mn-cs"/>
+      </a:defRPr>
+    </a:lvl4pPr>
+    <a:lvl5pPr marL="1828800" algn="l" defTabSz="914400" rtl="0" eaLnBrk="1" latinLnBrk="0" hangingPunct="1">
+      <a:defRPr sz="1200" kern="1200">
+        <a:solidFill>
+          <a:schemeClr val="tx1"/>
+        </a:solidFill>
+        <a:latin typeface="+mn-lt"/>
+        <a:ea typeface="+mn-ea"/>
+        <a:cs typeface="+mn-cs"/>
+      </a:defRPr>
+    </a:lvl5pPr>
+    <a:lvl6pPr marL="2286000" algn="l" defTabSz="914400" rtl="0" eaLnBrk="1" latinLnBrk="0" hangingPunct="1">
+      <a:defRPr sz="1200" kern="1200">
+        <a:solidFill>
+          <a:schemeClr val="tx1"/>
+        </a:solidFill>
+        <a:latin typeface="+mn-lt"/>
+        <a:ea typeface="+mn-ea"/>
+        <a:cs typeface="+mn-cs"/>
+      </a:defRPr>
+    </a:lvl6pPr>
+    <a:lvl7pPr marL="2743200" algn="l" defTabSz="914400" rtl="0" eaLnBrk="1" latinLnBrk="0" hangingPunct="1">
+      <a:defRPr sz="1200" kern="1200">
+        <a:solidFill>
+          <a:schemeClr val="tx1"/>
+        </a:solidFill>
+        <a:latin typeface="+mn-lt"/>
+        <a:ea typeface="+mn-ea"/>
+        <a:cs typeface="+mn-cs"/>
+      </a:defRPr>
+    </a:lvl7pPr>
+    <a:lvl8pPr marL="3200400" algn="l" defTabSz="914400" rtl="0" eaLnBrk="1" latinLnBrk="0" hangingPunct="1">
+      <a:defRPr sz="1200" kern="1200">
+        <a:solidFill>
+          <a:schemeClr val="tx1"/>
+        </a:solidFill>
+        <a:latin typeface="+mn-lt"/>
+        <a:ea typeface="+mn-ea"/>
+        <a:cs typeface="+mn-cs"/>
+      </a:defRPr>
+    </a:lvl8pPr>
+    <a:lvl9pPr marL="3657600" algn="l" defTabSz="914400" rtl="0" eaLnBrk="1" latinLnBrk="0" hangingPunct="1">
+      <a:defRPr sz="1200" kern="1200">
+        <a:solidFill>
+          <a:schemeClr val="tx1"/>
+        </a:solidFill>
+        <a:latin typeface="+mn-lt"/>
+        <a:ea typeface="+mn-ea"/>
+        <a:cs typeface="+mn-cs"/>
+      </a:defRPr>
+    </a:lvl9pPr>
+  </p:notesStyle>
+</p:notesMaster>
+</file>
+
+<file path=ppt/notesSlides/notesSlide1.xml><?xml version="1.0" encoding="utf-8"?>
+<p:notes xmlns:a="http://schemas.openxmlformats.org/drawingml/2006/main" xmlns:r="http://schemas.openxmlformats.org/officeDocument/2006/relationships" xmlns:p="http://schemas.openxmlformats.org/presentationml/2006/main">
+  <p:cSld>
+    <p:spTree>
+      <p:nvGrpSpPr>
+        <p:cNvPr id="1" name=""/>
+        <p:cNvGrpSpPr/>
+        <p:nvPr/>
+      </p:nvGrpSpPr>
+      <p:grpSpPr>
+        <a:xfrm>
+          <a:off x="0" y="0"/>
+          <a:ext cx="0" cy="0"/>
+          <a:chOff x="0" y="0"/>
+          <a:chExt cx="0" cy="0"/>
+        </a:xfrm>
+      </p:grpSpPr>
+      <p:sp>
+        <p:nvSpPr>
+          <p:cNvPr id="2" name="Slide Image Placeholder 1"/>
+          <p:cNvSpPr>
+            <a:spLocks noGrp="1" noRot="1" noChangeAspect="1"/>
+          </p:cNvSpPr>
+          <p:nvPr>
+            <p:ph type="sldImg"/>
+          </p:nvPr>
+        </p:nvSpPr>
+        <p:spPr/>
+      </p:sp>
+      <p:sp>
+        <p:nvSpPr>
+          <p:cNvPr id="3" name="Notes Placeholder 2"/>
+          <p:cNvSpPr>
+            <a:spLocks noGrp="1"/>
+          </p:cNvSpPr>
+          <p:nvPr>
+            <p:ph type="body" idx="1"/>
+          </p:nvPr>
+        </p:nvSpPr>
+        <p:spPr/>
+        <p:txBody>
+          <a:bodyPr/>
+          <a:lstStyle/>
+          <a:p>
+            <a:endParaRPr lang="en-IN" dirty="0"/>
+          </a:p>
+        </p:txBody>
+      </p:sp>
+      <p:sp>
+        <p:nvSpPr>
+          <p:cNvPr id="4" name="Slide Number Placeholder 3"/>
+          <p:cNvSpPr>
+            <a:spLocks noGrp="1"/>
+          </p:cNvSpPr>
+          <p:nvPr>
+            <p:ph type="sldNum" sz="quarter" idx="5"/>
+          </p:nvPr>
+        </p:nvSpPr>
+        <p:spPr/>
+        <p:txBody>
+          <a:bodyPr/>
+          <a:lstStyle/>
+          <a:p>
+            <a:fld id="{F263D0F4-1BA0-4A75-9088-FAA39D084E44}" type="slidenum">
+              <a:rPr lang="en-IN" smtClean="0"/>
+              <a:t>5</a:t>
+            </a:fld>
+            <a:endParaRPr lang="en-IN"/>
+          </a:p>
+        </p:txBody>
+      </p:sp>
+    </p:spTree>
+    <p:extLst>
+      <p:ext uri="{BB962C8B-B14F-4D97-AF65-F5344CB8AC3E}">
+        <p14:creationId xmlns:p14="http://schemas.microsoft.com/office/powerpoint/2010/main" val="1360042909"/>
+      </p:ext>
+    </p:extLst>
+  </p:cSld>
+  <p:clrMapOvr>
+    <a:masterClrMapping/>
+  </p:clrMapOvr>
+</p:notes>
+</file>
+
 <file path=ppt/slideLayouts/slideLayout1.xml><?xml version="1.0" encoding="utf-8"?>
 <p:sldLayout xmlns:a="http://schemas.openxmlformats.org/drawingml/2006/main" xmlns:r="http://schemas.openxmlformats.org/officeDocument/2006/relationships" xmlns:p="http://schemas.openxmlformats.org/presentationml/2006/main" type="title" preserve="1">
   <p:cSld name="Title Slide">
@@ -335,7 +772,7 @@
             <a:fld id="{1D8BD707-D9CF-40AE-B4C6-C98DA3205C09}" type="datetimeFigureOut">
               <a:rPr lang="en-US" smtClean="0"/>
               <a:pPr/>
-              <a:t>1/6/21</a:t>
+              <a:t>1/7/2021</a:t>
             </a:fld>
             <a:endParaRPr lang="en-US"/>
           </a:p>
@@ -500,7 +937,7 @@
             <a:fld id="{1D8BD707-D9CF-40AE-B4C6-C98DA3205C09}" type="datetimeFigureOut">
               <a:rPr lang="en-US" smtClean="0"/>
               <a:pPr/>
-              <a:t>1/6/21</a:t>
+              <a:t>1/7/2021</a:t>
             </a:fld>
             <a:endParaRPr lang="en-US"/>
           </a:p>
@@ -675,7 +1112,7 @@
             <a:fld id="{1D8BD707-D9CF-40AE-B4C6-C98DA3205C09}" type="datetimeFigureOut">
               <a:rPr lang="en-US" smtClean="0"/>
               <a:pPr/>
-              <a:t>1/6/21</a:t>
+              <a:t>1/7/2021</a:t>
             </a:fld>
             <a:endParaRPr lang="en-US"/>
           </a:p>
@@ -840,7 +1277,7 @@
             <a:fld id="{1D8BD707-D9CF-40AE-B4C6-C98DA3205C09}" type="datetimeFigureOut">
               <a:rPr lang="en-US" smtClean="0"/>
               <a:pPr/>
-              <a:t>1/6/21</a:t>
+              <a:t>1/7/2021</a:t>
             </a:fld>
             <a:endParaRPr lang="en-US"/>
           </a:p>
@@ -1082,7 +1519,7 @@
             <a:fld id="{1D8BD707-D9CF-40AE-B4C6-C98DA3205C09}" type="datetimeFigureOut">
               <a:rPr lang="en-US" smtClean="0"/>
               <a:pPr/>
-              <a:t>1/6/21</a:t>
+              <a:t>1/7/2021</a:t>
             </a:fld>
             <a:endParaRPr lang="en-US"/>
           </a:p>
@@ -1364,7 +1801,7 @@
             <a:fld id="{1D8BD707-D9CF-40AE-B4C6-C98DA3205C09}" type="datetimeFigureOut">
               <a:rPr lang="en-US" smtClean="0"/>
               <a:pPr/>
-              <a:t>1/6/21</a:t>
+              <a:t>1/7/2021</a:t>
             </a:fld>
             <a:endParaRPr lang="en-US"/>
           </a:p>
@@ -1780,7 +2217,7 @@
             <a:fld id="{1D8BD707-D9CF-40AE-B4C6-C98DA3205C09}" type="datetimeFigureOut">
               <a:rPr lang="en-US" smtClean="0"/>
               <a:pPr/>
-              <a:t>1/6/21</a:t>
+              <a:t>1/7/2021</a:t>
             </a:fld>
             <a:endParaRPr lang="en-US"/>
           </a:p>
@@ -1894,7 +2331,7 @@
             <a:fld id="{1D8BD707-D9CF-40AE-B4C6-C98DA3205C09}" type="datetimeFigureOut">
               <a:rPr lang="en-US" smtClean="0"/>
               <a:pPr/>
-              <a:t>1/6/21</a:t>
+              <a:t>1/7/2021</a:t>
             </a:fld>
             <a:endParaRPr lang="en-US"/>
           </a:p>
@@ -1986,7 +2423,7 @@
             <a:fld id="{1D8BD707-D9CF-40AE-B4C6-C98DA3205C09}" type="datetimeFigureOut">
               <a:rPr lang="en-US" smtClean="0"/>
               <a:pPr/>
-              <a:t>1/6/21</a:t>
+              <a:t>1/7/2021</a:t>
             </a:fld>
             <a:endParaRPr lang="en-US"/>
           </a:p>
@@ -2258,7 +2695,7 @@
             <a:fld id="{1D8BD707-D9CF-40AE-B4C6-C98DA3205C09}" type="datetimeFigureOut">
               <a:rPr lang="en-US" smtClean="0"/>
               <a:pPr/>
-              <a:t>1/6/21</a:t>
+              <a:t>1/7/2021</a:t>
             </a:fld>
             <a:endParaRPr lang="en-US"/>
           </a:p>
@@ -2507,7 +2944,7 @@
             <a:fld id="{1D8BD707-D9CF-40AE-B4C6-C98DA3205C09}" type="datetimeFigureOut">
               <a:rPr lang="en-US" smtClean="0"/>
               <a:pPr/>
-              <a:t>1/6/21</a:t>
+              <a:t>1/7/2021</a:t>
             </a:fld>
             <a:endParaRPr lang="en-US"/>
           </a:p>
@@ -2715,7 +3152,7 @@
             <a:fld id="{1D8BD707-D9CF-40AE-B4C6-C98DA3205C09}" type="datetimeFigureOut">
               <a:rPr lang="en-US" smtClean="0"/>
               <a:pPr/>
-              <a:t>1/6/21</a:t>
+              <a:t>1/7/2021</a:t>
             </a:fld>
             <a:endParaRPr lang="en-US"/>
           </a:p>
@@ -3102,7 +3539,7 @@
         </p:nvGrpSpPr>
         <p:grpSpPr>
           <a:xfrm>
-            <a:off x="1187631" y="6885978"/>
+            <a:off x="756681" y="7124700"/>
             <a:ext cx="6863319" cy="670751"/>
             <a:chOff x="0" y="0"/>
             <a:chExt cx="9151091" cy="894335"/>
@@ -3321,6 +3758,13 @@
                 <a:srgbClr val="000000"/>
               </a:solidFill>
             </p:spPr>
+            <p:txBody>
+              <a:bodyPr/>
+              <a:lstStyle/>
+              <a:p>
+                <a:endParaRPr lang="en-IN" dirty="0"/>
+              </a:p>
+            </p:txBody>
           </p:sp>
         </p:grpSp>
       </p:grpSp>
@@ -3332,8 +3776,8 @@
         </p:nvSpPr>
         <p:spPr>
           <a:xfrm>
-            <a:off x="1028700" y="4925112"/>
-            <a:ext cx="14608948" cy="1285029"/>
+            <a:off x="838200" y="3169854"/>
+            <a:ext cx="14608948" cy="3715761"/>
           </a:xfrm>
           <a:prstGeom prst="rect">
             <a:avLst/>
@@ -3351,7 +3795,7 @@
               </a:lnSpc>
             </a:pPr>
             <a:r>
-              <a:rPr lang="en-US" sz="9000">
+              <a:rPr lang="en-US" sz="8000" dirty="0">
                 <a:solidFill>
                   <a:srgbClr val="000000"/>
                 </a:solidFill>
@@ -3359,6 +3803,31 @@
               </a:rPr>
               <a:t>Capstone Project: Milestone 1</a:t>
             </a:r>
+            <a:br>
+              <a:rPr lang="en-US" sz="8000" dirty="0">
+                <a:solidFill>
+                  <a:srgbClr val="000000"/>
+                </a:solidFill>
+                <a:latin typeface="Glacial Indifference"/>
+              </a:rPr>
+            </a:br>
+            <a:br>
+              <a:rPr lang="en-US" sz="8000" dirty="0">
+                <a:solidFill>
+                  <a:srgbClr val="000000"/>
+                </a:solidFill>
+                <a:latin typeface="Glacial Indifference"/>
+              </a:rPr>
+            </a:br>
+            <a:r>
+              <a:rPr lang="en-US" sz="6500" dirty="0">
+                <a:solidFill>
+                  <a:srgbClr val="000000"/>
+                </a:solidFill>
+                <a:latin typeface="Glacial Indifference"/>
+              </a:rPr>
+              <a:t>Song Recommender System</a:t>
+            </a:r>
           </a:p>
         </p:txBody>
       </p:sp>
@@ -3370,7 +3839,7 @@
         </p:nvSpPr>
         <p:spPr>
           <a:xfrm>
-            <a:off x="1450460" y="7016349"/>
+            <a:off x="1094743" y="7277100"/>
             <a:ext cx="6296657" cy="381433"/>
           </a:xfrm>
           <a:prstGeom prst="rect">
@@ -3389,7 +3858,7 @@
               </a:lnSpc>
             </a:pPr>
             <a:r>
-              <a:rPr lang="en-US" sz="2394" spc="95">
+              <a:rPr lang="en-US" sz="2394" spc="95" dirty="0">
                 <a:solidFill>
                   <a:srgbClr val="FFFFFF"/>
                 </a:solidFill>
@@ -3398,13 +3867,13 @@
               <a:t>MIT IDSS-ADSB  </a:t>
             </a:r>
             <a:r>
-              <a:rPr lang="en-US" sz="2394" spc="95">
+              <a:rPr lang="en-US" sz="2394" spc="95" dirty="0">
                 <a:solidFill>
                   <a:srgbClr val="FFFFFF"/>
                 </a:solidFill>
                 <a:latin typeface="Open Sauce Light Bold"/>
               </a:rPr>
-              <a:t>OCT20-B</a:t>
+              <a:t>OCT20-B (Group 4)</a:t>
             </a:r>
           </a:p>
         </p:txBody>
@@ -3632,7 +4101,7 @@
             <p:nvPr/>
           </p:nvPicPr>
           <p:blipFill>
-            <a:blip r:embed="rId2">
+            <a:blip r:embed="rId2" cstate="print">
               <a:extLst>
                 <a:ext uri="{28A0092B-C50C-407E-A947-70E740481C1C}">
                   <a14:useLocalDpi xmlns:a14="http://schemas.microsoft.com/office/drawing/2010/main" val="0"/>
@@ -3666,7 +4135,7 @@
             <p:nvPr/>
           </p:nvPicPr>
           <p:blipFill>
-            <a:blip r:embed="rId4">
+            <a:blip r:embed="rId4" cstate="print">
               <a:extLst>
                 <a:ext uri="{28A0092B-C50C-407E-A947-70E740481C1C}">
                   <a14:useLocalDpi xmlns:a14="http://schemas.microsoft.com/office/drawing/2010/main" val="0"/>
@@ -3715,7 +4184,7 @@
             <p:nvPr/>
           </p:nvPicPr>
           <p:blipFill>
-            <a:blip r:embed="rId6">
+            <a:blip r:embed="rId6" cstate="print">
               <a:extLst>
                 <a:ext uri="{28A0092B-C50C-407E-A947-70E740481C1C}">
                   <a14:useLocalDpi xmlns:a14="http://schemas.microsoft.com/office/drawing/2010/main" val="0"/>
@@ -3749,7 +4218,7 @@
             <p:nvPr/>
           </p:nvPicPr>
           <p:blipFill>
-            <a:blip r:embed="rId8">
+            <a:blip r:embed="rId8" cstate="print">
               <a:extLst>
                 <a:ext uri="{28A0092B-C50C-407E-A947-70E740481C1C}">
                   <a14:useLocalDpi xmlns:a14="http://schemas.microsoft.com/office/drawing/2010/main" val="0"/>
@@ -4028,264 +4497,250 @@
           <a:chExt cx="0" cy="0"/>
         </a:xfrm>
       </p:grpSpPr>
-      <p:grpSp>
-        <p:nvGrpSpPr>
-          <p:cNvPr id="2" name="Group 2"/>
-          <p:cNvGrpSpPr/>
+      <p:sp>
+        <p:nvSpPr>
+          <p:cNvPr id="3" name="TextBox 3"/>
+          <p:cNvSpPr txBox="1"/>
           <p:nvPr/>
-        </p:nvGrpSpPr>
-        <p:grpSpPr>
+        </p:nvSpPr>
+        <p:spPr>
           <a:xfrm>
-            <a:off x="667351" y="2594843"/>
-            <a:ext cx="7270462" cy="4260395"/>
-            <a:chOff x="0" y="0"/>
-            <a:chExt cx="9693949" cy="5680527"/>
+            <a:off x="914400" y="3695700"/>
+            <a:ext cx="7270462" cy="2539157"/>
           </a:xfrm>
-        </p:grpSpPr>
-        <p:sp>
-          <p:nvSpPr>
-            <p:cNvPr id="3" name="TextBox 3"/>
-            <p:cNvSpPr txBox="1"/>
-            <p:nvPr/>
-          </p:nvSpPr>
-          <p:spPr>
-            <a:xfrm>
-              <a:off x="0" y="76200"/>
-              <a:ext cx="9693949" cy="1738773"/>
-            </a:xfrm>
-            <a:prstGeom prst="rect">
-              <a:avLst/>
-            </a:prstGeom>
-          </p:spPr>
-          <p:txBody>
-            <a:bodyPr lIns="0" tIns="0" rIns="0" bIns="0" rtlCol="0" anchor="t">
-              <a:spAutoFit/>
-            </a:bodyPr>
-            <a:lstStyle/>
-            <a:p>
-              <a:pPr>
-                <a:lnSpc>
-                  <a:spcPts val="9900"/>
-                </a:lnSpc>
-              </a:pPr>
-              <a:r>
-                <a:rPr lang="en-US" sz="9000">
-                  <a:solidFill>
-                    <a:srgbClr val="000000"/>
-                  </a:solidFill>
-                  <a:latin typeface="Glacial Indifference"/>
-                </a:rPr>
-                <a:t>Key Questions</a:t>
-              </a:r>
-            </a:p>
-          </p:txBody>
-        </p:sp>
-        <p:sp>
-          <p:nvSpPr>
-            <p:cNvPr id="4" name="TextBox 4"/>
-            <p:cNvSpPr txBox="1"/>
-            <p:nvPr/>
-          </p:nvSpPr>
-          <p:spPr>
-            <a:xfrm>
-              <a:off x="0" y="2068677"/>
-              <a:ext cx="8583251" cy="3611850"/>
-            </a:xfrm>
-            <a:prstGeom prst="rect">
-              <a:avLst/>
-            </a:prstGeom>
-          </p:spPr>
-          <p:txBody>
-            <a:bodyPr lIns="0" tIns="0" rIns="0" bIns="0" rtlCol="0" anchor="t">
-              <a:spAutoFit/>
-            </a:bodyPr>
-            <a:lstStyle/>
-            <a:p>
-              <a:pPr>
-                <a:lnSpc>
-                  <a:spcPts val="7150"/>
-                </a:lnSpc>
-              </a:pPr>
-              <a:r>
-                <a:rPr lang="en-US" sz="6500">
-                  <a:solidFill>
-                    <a:srgbClr val="000000"/>
-                  </a:solidFill>
-                  <a:latin typeface="Glacial Indifference"/>
-                </a:rPr>
-                <a:t>questions that need to be answered?</a:t>
-              </a:r>
-            </a:p>
-          </p:txBody>
-        </p:sp>
-      </p:grpSp>
-      <p:grpSp>
-        <p:nvGrpSpPr>
-          <p:cNvPr id="5" name="Group 5"/>
-          <p:cNvGrpSpPr/>
+          <a:prstGeom prst="rect">
+            <a:avLst/>
+          </a:prstGeom>
+        </p:spPr>
+        <p:txBody>
+          <a:bodyPr lIns="0" tIns="0" rIns="0" bIns="0" rtlCol="0" anchor="t">
+            <a:spAutoFit/>
+          </a:bodyPr>
+          <a:lstStyle/>
+          <a:p>
+            <a:pPr>
+              <a:lnSpc>
+                <a:spcPts val="9900"/>
+              </a:lnSpc>
+            </a:pPr>
+            <a:r>
+              <a:rPr lang="en-US" sz="9000" dirty="0">
+                <a:solidFill>
+                  <a:srgbClr val="000000"/>
+                </a:solidFill>
+                <a:latin typeface="Glacial Indifference"/>
+              </a:rPr>
+              <a:t>The Key Questions ?</a:t>
+            </a:r>
+          </a:p>
+        </p:txBody>
+      </p:sp>
+      <p:sp>
+        <p:nvSpPr>
+          <p:cNvPr id="12" name="TextBox 11">
+            <a:extLst>
+              <a:ext uri="{FF2B5EF4-FFF2-40B4-BE49-F238E27FC236}">
+                <a16:creationId xmlns:a16="http://schemas.microsoft.com/office/drawing/2014/main" id="{36004B9A-E593-4D82-83DE-47702090344C}"/>
+              </a:ext>
+            </a:extLst>
+          </p:cNvPr>
+          <p:cNvSpPr txBox="1"/>
           <p:nvPr/>
-        </p:nvGrpSpPr>
-        <p:grpSpPr>
+        </p:nvSpPr>
+        <p:spPr>
           <a:xfrm>
-            <a:off x="8739419" y="2970065"/>
-            <a:ext cx="7194395" cy="3885173"/>
-            <a:chOff x="0" y="0"/>
-            <a:chExt cx="9592526" cy="5180231"/>
+            <a:off x="8610600" y="3619500"/>
+            <a:ext cx="9157854" cy="4682116"/>
           </a:xfrm>
-        </p:grpSpPr>
-        <p:sp>
-          <p:nvSpPr>
-            <p:cNvPr id="6" name="TextBox 6"/>
-            <p:cNvSpPr txBox="1"/>
-            <p:nvPr/>
-          </p:nvSpPr>
-          <p:spPr>
-            <a:xfrm>
-              <a:off x="0" y="-57150"/>
-              <a:ext cx="9592526" cy="1328428"/>
-            </a:xfrm>
-            <a:prstGeom prst="rect">
-              <a:avLst/>
-            </a:prstGeom>
-          </p:spPr>
-          <p:txBody>
-            <a:bodyPr lIns="0" tIns="0" rIns="0" bIns="0" rtlCol="0" anchor="t">
-              <a:spAutoFit/>
-            </a:bodyPr>
-            <a:lstStyle/>
-            <a:p>
-              <a:pPr>
-                <a:lnSpc>
-                  <a:spcPts val="2700"/>
-                </a:lnSpc>
-              </a:pPr>
-              <a:r>
-                <a:rPr lang="en-US" sz="1800" spc="72">
-                  <a:solidFill>
-                    <a:srgbClr val="000000"/>
-                  </a:solidFill>
-                  <a:latin typeface="Open Sauce Light"/>
-                </a:rPr>
-                <a:t>How reliable is the proportion of times that a user listened to a song in predicting the strength of their preference for another song? </a:t>
-              </a:r>
-            </a:p>
-          </p:txBody>
-        </p:sp>
-        <p:sp>
-          <p:nvSpPr>
-            <p:cNvPr id="7" name="TextBox 7"/>
-            <p:cNvSpPr txBox="1"/>
-            <p:nvPr/>
-          </p:nvSpPr>
-          <p:spPr>
-            <a:xfrm>
-              <a:off x="0" y="2578690"/>
-              <a:ext cx="9592526" cy="419949"/>
-            </a:xfrm>
-            <a:prstGeom prst="rect">
-              <a:avLst/>
-            </a:prstGeom>
-          </p:spPr>
-          <p:txBody>
-            <a:bodyPr lIns="0" tIns="0" rIns="0" bIns="0" rtlCol="0" anchor="t">
-              <a:spAutoFit/>
-            </a:bodyPr>
-            <a:lstStyle/>
-            <a:p>
-              <a:pPr>
-                <a:lnSpc>
-                  <a:spcPts val="2700"/>
-                </a:lnSpc>
-              </a:pPr>
-              <a:r>
-                <a:rPr lang="en-US" sz="1800" spc="72">
-                  <a:solidFill>
-                    <a:srgbClr val="000000"/>
-                  </a:solidFill>
-                  <a:latin typeface="Open Sauce Light"/>
-                </a:rPr>
-                <a:t>How reliable are ratings in predicting user preference? </a:t>
-              </a:r>
-            </a:p>
-          </p:txBody>
-        </p:sp>
-        <p:sp>
-          <p:nvSpPr>
-            <p:cNvPr id="8" name="TextBox 8"/>
-            <p:cNvSpPr txBox="1"/>
-            <p:nvPr/>
-          </p:nvSpPr>
-          <p:spPr>
-            <a:xfrm>
-              <a:off x="0" y="4306042"/>
-              <a:ext cx="9592526" cy="874188"/>
-            </a:xfrm>
-            <a:prstGeom prst="rect">
-              <a:avLst/>
-            </a:prstGeom>
-          </p:spPr>
-          <p:txBody>
-            <a:bodyPr lIns="0" tIns="0" rIns="0" bIns="0" rtlCol="0" anchor="t">
-              <a:spAutoFit/>
-            </a:bodyPr>
-            <a:lstStyle/>
-            <a:p>
-              <a:pPr>
-                <a:lnSpc>
-                  <a:spcPts val="2700"/>
-                </a:lnSpc>
-              </a:pPr>
-              <a:r>
-                <a:rPr lang="en-US" sz="1800" spc="72">
-                  <a:solidFill>
-                    <a:srgbClr val="000000"/>
-                  </a:solidFill>
-                  <a:latin typeface="Open Sauce Light"/>
-                </a:rPr>
-                <a:t>​an we use our machine learning models to get a deeper insight into features predictive of song popularity.</a:t>
-              </a:r>
-            </a:p>
-          </p:txBody>
-        </p:sp>
-        <p:sp>
-          <p:nvSpPr>
-            <p:cNvPr id="9" name="AutoShape 9"/>
-            <p:cNvSpPr/>
-            <p:nvPr/>
-          </p:nvSpPr>
-          <p:spPr>
-            <a:xfrm rot="-5400000">
-              <a:off x="4789908" y="-2842704"/>
-              <a:ext cx="12710" cy="9592526"/>
-            </a:xfrm>
-            <a:prstGeom prst="rect">
-              <a:avLst/>
-            </a:prstGeom>
-            <a:solidFill>
-              <a:srgbClr val="000000"/>
-            </a:solidFill>
-          </p:spPr>
-        </p:sp>
-        <p:sp>
-          <p:nvSpPr>
-            <p:cNvPr id="10" name="AutoShape 10"/>
-            <p:cNvSpPr/>
-            <p:nvPr/>
-          </p:nvSpPr>
-          <p:spPr>
-            <a:xfrm rot="-5400000">
-              <a:off x="4789913" y="-1115347"/>
-              <a:ext cx="12700" cy="9592526"/>
-            </a:xfrm>
-            <a:prstGeom prst="rect">
-              <a:avLst/>
-            </a:prstGeom>
-            <a:solidFill>
-              <a:srgbClr val="000000"/>
-            </a:solidFill>
-          </p:spPr>
-        </p:sp>
-      </p:grpSp>
+          <a:prstGeom prst="rect">
+            <a:avLst/>
+          </a:prstGeom>
+          <a:noFill/>
+        </p:spPr>
+        <p:txBody>
+          <a:bodyPr wrap="square">
+            <a:spAutoFit/>
+          </a:bodyPr>
+          <a:lstStyle/>
+          <a:p>
+            <a:pPr marL="342900" lvl="0" indent="-342900">
+              <a:lnSpc>
+                <a:spcPct val="107000"/>
+              </a:lnSpc>
+              <a:buFont typeface="Symbol" panose="05050102010706020507" pitchFamily="18" charset="2"/>
+              <a:buChar char=""/>
+            </a:pPr>
+            <a:r>
+              <a:rPr lang="en-US" sz="2800" dirty="0">
+                <a:effectLst/>
+                <a:latin typeface="Calibri" panose="020F0502020204030204" pitchFamily="34" charset="0"/>
+                <a:ea typeface="Calibri" panose="020F0502020204030204" pitchFamily="34" charset="0"/>
+                <a:cs typeface="Times New Roman" panose="02020603050405020304" pitchFamily="18" charset="0"/>
+              </a:rPr>
+              <a:t>What are Trends and patterns in the data?</a:t>
+            </a:r>
+            <a:endParaRPr lang="en-IN" sz="2800" dirty="0">
+              <a:effectLst/>
+              <a:latin typeface="Calibri" panose="020F0502020204030204" pitchFamily="34" charset="0"/>
+              <a:ea typeface="Calibri" panose="020F0502020204030204" pitchFamily="34" charset="0"/>
+              <a:cs typeface="Times New Roman" panose="02020603050405020304" pitchFamily="18" charset="0"/>
+            </a:endParaRPr>
+          </a:p>
+          <a:p>
+            <a:pPr marL="342900" lvl="0" indent="-342900">
+              <a:lnSpc>
+                <a:spcPct val="107000"/>
+              </a:lnSpc>
+              <a:buFont typeface="Symbol" panose="05050102010706020507" pitchFamily="18" charset="2"/>
+              <a:buChar char=""/>
+            </a:pPr>
+            <a:r>
+              <a:rPr lang="en-US" sz="2800" dirty="0">
+                <a:effectLst/>
+                <a:latin typeface="Calibri" panose="020F0502020204030204" pitchFamily="34" charset="0"/>
+                <a:ea typeface="Calibri" panose="020F0502020204030204" pitchFamily="34" charset="0"/>
+                <a:cs typeface="Times New Roman" panose="02020603050405020304" pitchFamily="18" charset="0"/>
+              </a:rPr>
+              <a:t>How is the customer/consumer behavior over the years &amp; across regions?</a:t>
+            </a:r>
+            <a:endParaRPr lang="en-IN" sz="2800" dirty="0">
+              <a:effectLst/>
+              <a:latin typeface="Calibri" panose="020F0502020204030204" pitchFamily="34" charset="0"/>
+              <a:ea typeface="Calibri" panose="020F0502020204030204" pitchFamily="34" charset="0"/>
+              <a:cs typeface="Times New Roman" panose="02020603050405020304" pitchFamily="18" charset="0"/>
+            </a:endParaRPr>
+          </a:p>
+          <a:p>
+            <a:pPr marL="342900" lvl="0" indent="-342900">
+              <a:lnSpc>
+                <a:spcPct val="107000"/>
+              </a:lnSpc>
+              <a:buFont typeface="Symbol" panose="05050102010706020507" pitchFamily="18" charset="2"/>
+              <a:buChar char=""/>
+            </a:pPr>
+            <a:r>
+              <a:rPr lang="en-US" sz="2800" dirty="0">
+                <a:effectLst/>
+                <a:latin typeface="Calibri" panose="020F0502020204030204" pitchFamily="34" charset="0"/>
+                <a:ea typeface="Calibri" panose="020F0502020204030204" pitchFamily="34" charset="0"/>
+                <a:cs typeface="Times New Roman" panose="02020603050405020304" pitchFamily="18" charset="0"/>
+              </a:rPr>
+              <a:t>How much sparse is the data and how can we clean and what’s the best way to do data imputation?</a:t>
+            </a:r>
+            <a:endParaRPr lang="en-IN" sz="2800" dirty="0">
+              <a:effectLst/>
+              <a:latin typeface="Calibri" panose="020F0502020204030204" pitchFamily="34" charset="0"/>
+              <a:ea typeface="Calibri" panose="020F0502020204030204" pitchFamily="34" charset="0"/>
+              <a:cs typeface="Times New Roman" panose="02020603050405020304" pitchFamily="18" charset="0"/>
+            </a:endParaRPr>
+          </a:p>
+          <a:p>
+            <a:pPr marL="342900" lvl="0" indent="-342900">
+              <a:lnSpc>
+                <a:spcPct val="107000"/>
+              </a:lnSpc>
+              <a:buFont typeface="Symbol" panose="05050102010706020507" pitchFamily="18" charset="2"/>
+              <a:buChar char=""/>
+            </a:pPr>
+            <a:r>
+              <a:rPr lang="en-US" sz="2800" dirty="0">
+                <a:effectLst/>
+                <a:latin typeface="Calibri" panose="020F0502020204030204" pitchFamily="34" charset="0"/>
+                <a:ea typeface="Calibri" panose="020F0502020204030204" pitchFamily="34" charset="0"/>
+                <a:cs typeface="Times New Roman" panose="02020603050405020304" pitchFamily="18" charset="0"/>
+              </a:rPr>
+              <a:t>Which techniques and algorithms would give the best results? </a:t>
+            </a:r>
+            <a:endParaRPr lang="en-IN" sz="2800" dirty="0">
+              <a:effectLst/>
+              <a:latin typeface="Calibri" panose="020F0502020204030204" pitchFamily="34" charset="0"/>
+              <a:ea typeface="Calibri" panose="020F0502020204030204" pitchFamily="34" charset="0"/>
+              <a:cs typeface="Times New Roman" panose="02020603050405020304" pitchFamily="18" charset="0"/>
+            </a:endParaRPr>
+          </a:p>
+          <a:p>
+            <a:pPr marL="342900" lvl="0" indent="-342900">
+              <a:lnSpc>
+                <a:spcPct val="107000"/>
+              </a:lnSpc>
+              <a:buFont typeface="Symbol" panose="05050102010706020507" pitchFamily="18" charset="2"/>
+              <a:buChar char=""/>
+            </a:pPr>
+            <a:r>
+              <a:rPr lang="en-US" sz="2800" dirty="0">
+                <a:effectLst/>
+                <a:latin typeface="Calibri" panose="020F0502020204030204" pitchFamily="34" charset="0"/>
+                <a:ea typeface="Calibri" panose="020F0502020204030204" pitchFamily="34" charset="0"/>
+                <a:cs typeface="Times New Roman" panose="02020603050405020304" pitchFamily="18" charset="0"/>
+              </a:rPr>
+              <a:t>How can we handhold the customer in his entire user Journey?</a:t>
+            </a:r>
+            <a:endParaRPr lang="en-IN" sz="2800" dirty="0">
+              <a:effectLst/>
+              <a:latin typeface="Calibri" panose="020F0502020204030204" pitchFamily="34" charset="0"/>
+              <a:ea typeface="Calibri" panose="020F0502020204030204" pitchFamily="34" charset="0"/>
+              <a:cs typeface="Times New Roman" panose="02020603050405020304" pitchFamily="18" charset="0"/>
+            </a:endParaRPr>
+          </a:p>
+          <a:p>
+            <a:pPr marL="342900" lvl="0" indent="-342900">
+              <a:lnSpc>
+                <a:spcPct val="107000"/>
+              </a:lnSpc>
+              <a:spcAft>
+                <a:spcPts val="800"/>
+              </a:spcAft>
+              <a:buFont typeface="Symbol" panose="05050102010706020507" pitchFamily="18" charset="2"/>
+              <a:buChar char=""/>
+            </a:pPr>
+            <a:r>
+              <a:rPr lang="en-US" sz="2800" dirty="0">
+                <a:effectLst/>
+                <a:latin typeface="Calibri" panose="020F0502020204030204" pitchFamily="34" charset="0"/>
+                <a:ea typeface="Calibri" panose="020F0502020204030204" pitchFamily="34" charset="0"/>
+                <a:cs typeface="Times New Roman" panose="02020603050405020304" pitchFamily="18" charset="0"/>
+              </a:rPr>
+              <a:t>What is the unique selling point we are offering?</a:t>
+            </a:r>
+            <a:endParaRPr lang="en-IN" sz="2800" dirty="0">
+              <a:effectLst/>
+              <a:latin typeface="Calibri" panose="020F0502020204030204" pitchFamily="34" charset="0"/>
+              <a:ea typeface="Calibri" panose="020F0502020204030204" pitchFamily="34" charset="0"/>
+              <a:cs typeface="Times New Roman" panose="02020603050405020304" pitchFamily="18" charset="0"/>
+            </a:endParaRPr>
+          </a:p>
+        </p:txBody>
+      </p:sp>
+      <p:pic>
+        <p:nvPicPr>
+          <p:cNvPr id="14" name="Picture 13">
+            <a:extLst>
+              <a:ext uri="{FF2B5EF4-FFF2-40B4-BE49-F238E27FC236}">
+                <a16:creationId xmlns:a16="http://schemas.microsoft.com/office/drawing/2014/main" id="{88504FCE-40DB-4561-8E1F-3C1BAA7F284C}"/>
+              </a:ext>
+            </a:extLst>
+          </p:cNvPr>
+          <p:cNvPicPr>
+            <a:picLocks noChangeAspect="1"/>
+          </p:cNvPicPr>
+          <p:nvPr/>
+        </p:nvPicPr>
+        <p:blipFill>
+          <a:blip r:embed="rId2"/>
+          <a:stretch>
+            <a:fillRect/>
+          </a:stretch>
+        </p:blipFill>
+        <p:spPr>
+          <a:xfrm>
+            <a:off x="16258309" y="0"/>
+            <a:ext cx="2029691" cy="2971394"/>
+          </a:xfrm>
+          <a:prstGeom prst="rect">
+            <a:avLst/>
+          </a:prstGeom>
+        </p:spPr>
+      </p:pic>
     </p:spTree>
   </p:cSld>
   <p:clrMapOvr>
@@ -4327,9 +4782,9 @@
         </p:nvGrpSpPr>
         <p:grpSpPr>
           <a:xfrm>
-            <a:off x="8352994" y="-157809"/>
+            <a:off x="8352994" y="-296313"/>
             <a:ext cx="10030256" cy="10621413"/>
-            <a:chOff x="0" y="0"/>
+            <a:chOff x="0" y="-46852"/>
             <a:chExt cx="3392951" cy="3592923"/>
           </a:xfrm>
         </p:grpSpPr>
@@ -4341,7 +4796,7 @@
           </p:nvSpPr>
           <p:spPr>
             <a:xfrm>
-              <a:off x="0" y="0"/>
+              <a:off x="0" y="-46852"/>
               <a:ext cx="3392951" cy="3592923"/>
             </a:xfrm>
             <a:custGeom>
@@ -4472,10 +4927,10 @@
         </p:nvGrpSpPr>
         <p:grpSpPr>
           <a:xfrm>
-            <a:off x="9740838" y="1028700"/>
-            <a:ext cx="7219492" cy="3303269"/>
-            <a:chOff x="0" y="0"/>
-            <a:chExt cx="9625990" cy="4404359"/>
+            <a:off x="9518072" y="210356"/>
+            <a:ext cx="7261056" cy="3443259"/>
+            <a:chOff x="-110837" y="-426158"/>
+            <a:chExt cx="9681409" cy="4591012"/>
           </a:xfrm>
         </p:grpSpPr>
         <p:sp>
@@ -4486,8 +4941,8 @@
           </p:nvSpPr>
           <p:spPr>
             <a:xfrm>
-              <a:off x="0" y="710564"/>
-              <a:ext cx="9625990" cy="3693795"/>
+              <a:off x="-55418" y="389035"/>
+              <a:ext cx="9625990" cy="3775819"/>
             </a:xfrm>
             <a:prstGeom prst="rect">
               <a:avLst/>
@@ -4529,7 +4984,7 @@
                   </a:solidFill>
                   <a:latin typeface="Open Sauce Light"/>
                 </a:rPr>
-                <a:t>contains details on songs </a:t>
+                <a:t>Contains details on songs </a:t>
               </a:r>
             </a:p>
             <a:p>
@@ -4565,7 +5020,7 @@
                   </a:solidFill>
                   <a:latin typeface="Open Sauce Light"/>
                 </a:rPr>
-                <a:t>There are around 1,000,000 records. I</a:t>
+                <a:t>There are around 1,000,000 records. </a:t>
               </a:r>
             </a:p>
             <a:p>
@@ -4583,7 +5038,7 @@
                   </a:solidFill>
                   <a:latin typeface="Open Sauce Light"/>
                 </a:rPr>
-                <a:t>it contains details about song title, release, Artist name and published year</a:t>
+                <a:t>It contains details about song title, release, Artist name and published year</a:t>
               </a:r>
             </a:p>
             <a:p>
@@ -4609,8 +5064,8 @@
           </p:nvSpPr>
           <p:spPr>
             <a:xfrm>
-              <a:off x="0" y="-19050"/>
-              <a:ext cx="6202103" cy="516126"/>
+              <a:off x="-110837" y="-426158"/>
+              <a:ext cx="6202103" cy="516125"/>
             </a:xfrm>
             <a:prstGeom prst="rect">
               <a:avLst/>
@@ -4628,7 +5083,7 @@
                 </a:lnSpc>
               </a:pPr>
               <a:r>
-                <a:rPr lang="en-US" sz="2499" spc="99">
+                <a:rPr lang="en-US" sz="2499" spc="99" dirty="0">
                   <a:solidFill>
                     <a:srgbClr val="000000"/>
                   </a:solidFill>
@@ -4648,10 +5103,10 @@
         </p:nvGrpSpPr>
         <p:grpSpPr>
           <a:xfrm>
-            <a:off x="9740838" y="5834637"/>
-            <a:ext cx="7219492" cy="2517456"/>
-            <a:chOff x="0" y="-19049"/>
-            <a:chExt cx="9625990" cy="3356608"/>
+            <a:off x="9545781" y="3546008"/>
+            <a:ext cx="7219492" cy="2597369"/>
+            <a:chOff x="-164593" y="-825773"/>
+            <a:chExt cx="9625990" cy="3463158"/>
           </a:xfrm>
         </p:grpSpPr>
         <p:sp>
@@ -4662,7 +5117,7 @@
           </p:nvSpPr>
           <p:spPr>
             <a:xfrm>
-              <a:off x="0" y="710564"/>
+              <a:off x="-164593" y="10390"/>
               <a:ext cx="9625990" cy="2626995"/>
             </a:xfrm>
             <a:prstGeom prst="rect">
@@ -4681,7 +5136,7 @@
                 </a:lnSpc>
               </a:pPr>
               <a:r>
-                <a:rPr lang="en-US" sz="2100" spc="84">
+                <a:rPr lang="en-US" sz="2100" spc="84" dirty="0">
                   <a:solidFill>
                     <a:srgbClr val="000000"/>
                   </a:solidFill>
@@ -4699,7 +5154,7 @@
                 <a:buChar char="•"/>
               </a:pPr>
               <a:r>
-                <a:rPr lang="en-US" sz="2100" spc="84">
+                <a:rPr lang="en-US" sz="2100" spc="84" dirty="0">
                   <a:solidFill>
                     <a:srgbClr val="000000"/>
                   </a:solidFill>
@@ -4717,7 +5172,7 @@
                 <a:buChar char="•"/>
               </a:pPr>
               <a:r>
-                <a:rPr lang="en-US" sz="2100" spc="84">
+                <a:rPr lang="en-US" sz="2100" spc="84" dirty="0">
                   <a:solidFill>
                     <a:srgbClr val="000000"/>
                   </a:solidFill>
@@ -4736,7 +5191,7 @@
           </p:nvSpPr>
           <p:spPr>
             <a:xfrm>
-              <a:off x="0" y="-19049"/>
+              <a:off x="-127532" y="-825773"/>
               <a:ext cx="6202103" cy="521511"/>
             </a:xfrm>
             <a:prstGeom prst="rect">
@@ -4767,6 +5222,119 @@
           </p:txBody>
         </p:sp>
       </p:grpSp>
+      <p:sp>
+        <p:nvSpPr>
+          <p:cNvPr id="16" name="TextBox 15">
+            <a:extLst>
+              <a:ext uri="{FF2B5EF4-FFF2-40B4-BE49-F238E27FC236}">
+                <a16:creationId xmlns:a16="http://schemas.microsoft.com/office/drawing/2014/main" id="{DEC48E35-6DBB-42C0-B673-F1D94B3BE221}"/>
+              </a:ext>
+            </a:extLst>
+          </p:cNvPr>
+          <p:cNvSpPr txBox="1"/>
+          <p:nvPr/>
+        </p:nvSpPr>
+        <p:spPr>
+          <a:xfrm>
+            <a:off x="9573490" y="6467954"/>
+            <a:ext cx="9303326" cy="3857146"/>
+          </a:xfrm>
+          <a:prstGeom prst="rect">
+            <a:avLst/>
+          </a:prstGeom>
+          <a:noFill/>
+        </p:spPr>
+        <p:txBody>
+          <a:bodyPr wrap="square">
+            <a:spAutoFit/>
+          </a:bodyPr>
+          <a:lstStyle/>
+          <a:p>
+            <a:pPr>
+              <a:lnSpc>
+                <a:spcPts val="3250"/>
+              </a:lnSpc>
+            </a:pPr>
+            <a:r>
+              <a:rPr lang="en-US" sz="2499" spc="99" dirty="0">
+                <a:solidFill>
+                  <a:srgbClr val="000000"/>
+                </a:solidFill>
+                <a:latin typeface="Open Sauce Light Bold"/>
+              </a:rPr>
+              <a:t>Additional Datasets Used</a:t>
+            </a:r>
+            <a:br>
+              <a:rPr lang="en-US" sz="2499" spc="99" dirty="0">
+                <a:solidFill>
+                  <a:srgbClr val="000000"/>
+                </a:solidFill>
+                <a:latin typeface="Open Sauce Light Bold"/>
+              </a:rPr>
+            </a:br>
+            <a:endParaRPr lang="en-US" sz="2100" spc="84" dirty="0">
+              <a:solidFill>
+                <a:srgbClr val="000000"/>
+              </a:solidFill>
+              <a:latin typeface="Open Sauce Light"/>
+            </a:endParaRPr>
+          </a:p>
+          <a:p>
+            <a:pPr marL="342900" indent="-342900">
+              <a:lnSpc>
+                <a:spcPts val="3250"/>
+              </a:lnSpc>
+              <a:buFont typeface="Arial" panose="020B0604020202020204" pitchFamily="34" charset="0"/>
+              <a:buChar char="•"/>
+            </a:pPr>
+            <a:r>
+              <a:rPr lang="en-US" sz="2100" spc="84" dirty="0">
+                <a:solidFill>
+                  <a:srgbClr val="000000"/>
+                </a:solidFill>
+                <a:latin typeface="Open Sauce Light"/>
+              </a:rPr>
+              <a:t>Additionally we have added rating data which give us average ratings and number of votes</a:t>
+            </a:r>
+          </a:p>
+          <a:p>
+            <a:pPr marL="342900" indent="-342900">
+              <a:lnSpc>
+                <a:spcPts val="3250"/>
+              </a:lnSpc>
+              <a:buFont typeface="Arial" panose="020B0604020202020204" pitchFamily="34" charset="0"/>
+              <a:buChar char="•"/>
+            </a:pPr>
+            <a:r>
+              <a:rPr lang="en-US" sz="2100" spc="84" dirty="0">
+                <a:solidFill>
+                  <a:srgbClr val="000000"/>
+                </a:solidFill>
+                <a:latin typeface="Open Sauce Light"/>
+              </a:rPr>
+              <a:t>We have also added akas data which gives us region, language and title as the key features</a:t>
+            </a:r>
+          </a:p>
+          <a:p>
+            <a:pPr marL="342900" indent="-342900">
+              <a:lnSpc>
+                <a:spcPts val="3250"/>
+              </a:lnSpc>
+              <a:buFont typeface="Arial" panose="020B0604020202020204" pitchFamily="34" charset="0"/>
+              <a:buChar char="•"/>
+            </a:pPr>
+            <a:r>
+              <a:rPr lang="en-US" sz="2100" spc="84" dirty="0">
+                <a:solidFill>
+                  <a:srgbClr val="000000"/>
+                </a:solidFill>
+                <a:latin typeface="Open Sauce Light"/>
+              </a:rPr>
+              <a:t>New dataset will help us with a different dimension of rating other than play count to create popularity, content or collaborative based filtering</a:t>
+            </a:r>
+          </a:p>
+        </p:txBody>
+      </p:sp>
     </p:spTree>
   </p:cSld>
   <p:clrMapOvr>
@@ -5809,10 +6377,10 @@
         </p:nvGrpSpPr>
         <p:grpSpPr>
           <a:xfrm>
-            <a:off x="3346279" y="2800893"/>
-            <a:ext cx="2104948" cy="3482214"/>
-            <a:chOff x="0" y="0"/>
-            <a:chExt cx="2806598" cy="4642952"/>
+            <a:off x="3346279" y="2815181"/>
+            <a:ext cx="2104948" cy="3467927"/>
+            <a:chOff x="0" y="19051"/>
+            <a:chExt cx="2806598" cy="4623902"/>
           </a:xfrm>
         </p:grpSpPr>
         <p:grpSp>
@@ -5976,8 +6544,8 @@
           </p:nvSpPr>
           <p:spPr>
             <a:xfrm>
-              <a:off x="403565" y="19050"/>
-              <a:ext cx="1999469" cy="619337"/>
+              <a:off x="403565" y="19051"/>
+              <a:ext cx="1999468" cy="974625"/>
             </a:xfrm>
             <a:prstGeom prst="rect">
               <a:avLst/>
@@ -5995,13 +6563,13 @@
                 </a:lnSpc>
               </a:pPr>
               <a:r>
-                <a:rPr lang="en-US" sz="1700">
+                <a:rPr lang="en-US" sz="1700" dirty="0">
                   <a:solidFill>
                     <a:srgbClr val="000000"/>
                   </a:solidFill>
                   <a:latin typeface="Glacial Indifference Bold"/>
                 </a:rPr>
-                <a:t>Data Understanding</a:t>
+                <a:t>Understanding Data &amp; the trends</a:t>
               </a:r>
             </a:p>
           </p:txBody>
@@ -6375,25 +6943,7 @@
                   </a:solidFill>
                   <a:latin typeface="Open Sauce Light"/>
                 </a:rPr>
-                <a:t>Calculate song ratings, clean the </a:t>
-              </a:r>
-              <a:r>
-                <a:rPr lang="en-US" sz="1312" spc="52" dirty="0" err="1">
-                  <a:solidFill>
-                    <a:srgbClr val="000000"/>
-                  </a:solidFill>
-                  <a:latin typeface="Open Sauce Light"/>
-                </a:rPr>
-                <a:t>dataframe</a:t>
-              </a:r>
-              <a:r>
-                <a:rPr lang="en-US" sz="1312" spc="52" dirty="0">
-                  <a:solidFill>
-                    <a:srgbClr val="000000"/>
-                  </a:solidFill>
-                  <a:latin typeface="Open Sauce Light"/>
-                </a:rPr>
-                <a:t>, and augment and enrich data with additional data sources..</a:t>
+                <a:t>Calculate song ratings, clean the data frame, and augment and enrich data with additional data sources..</a:t>
               </a:r>
             </a:p>
           </p:txBody>
@@ -7175,4 +7725,299 @@
   <a:objectDefaults/>
   <a:extraClrSchemeLst/>
 </a:theme>
+</file>
+
+<file path=ppt/theme/theme2.xml><?xml version="1.0" encoding="utf-8"?>
+<a:theme xmlns:a="http://schemas.openxmlformats.org/drawingml/2006/main" name="Office Theme">
+  <a:themeElements>
+    <a:clrScheme name="Office">
+      <a:dk1>
+        <a:sysClr val="windowText" lastClr="000000"/>
+      </a:dk1>
+      <a:lt1>
+        <a:sysClr val="window" lastClr="FFFFFF"/>
+      </a:lt1>
+      <a:dk2>
+        <a:srgbClr val="44546A"/>
+      </a:dk2>
+      <a:lt2>
+        <a:srgbClr val="E7E6E6"/>
+      </a:lt2>
+      <a:accent1>
+        <a:srgbClr val="4472C4"/>
+      </a:accent1>
+      <a:accent2>
+        <a:srgbClr val="ED7D31"/>
+      </a:accent2>
+      <a:accent3>
+        <a:srgbClr val="A5A5A5"/>
+      </a:accent3>
+      <a:accent4>
+        <a:srgbClr val="FFC000"/>
+      </a:accent4>
+      <a:accent5>
+        <a:srgbClr val="5B9BD5"/>
+      </a:accent5>
+      <a:accent6>
+        <a:srgbClr val="70AD47"/>
+      </a:accent6>
+      <a:hlink>
+        <a:srgbClr val="0563C1"/>
+      </a:hlink>
+      <a:folHlink>
+        <a:srgbClr val="954F72"/>
+      </a:folHlink>
+    </a:clrScheme>
+    <a:fontScheme name="Office">
+      <a:majorFont>
+        <a:latin typeface="Calibri Light" panose="020F0302020204030204"/>
+        <a:ea typeface=""/>
+        <a:cs typeface=""/>
+        <a:font script="Jpan" typeface="游ゴシック Light"/>
+        <a:font script="Hang" typeface="맑은 고딕"/>
+        <a:font script="Hans" typeface="等线 Light"/>
+        <a:font script="Hant" typeface="新細明體"/>
+        <a:font script="Arab" typeface="Times New Roman"/>
+        <a:font script="Hebr" typeface="Times New Roman"/>
+        <a:font script="Thai" typeface="Angsana New"/>
+        <a:font script="Ethi" typeface="Nyala"/>
+        <a:font script="Beng" typeface="Vrinda"/>
+        <a:font script="Gujr" typeface="Shruti"/>
+        <a:font script="Khmr" typeface="MoolBoran"/>
+        <a:font script="Knda" typeface="Tunga"/>
+        <a:font script="Guru" typeface="Raavi"/>
+        <a:font script="Cans" typeface="Euphemia"/>
+        <a:font script="Cher" typeface="Plantagenet Cherokee"/>
+        <a:font script="Yiii" typeface="Microsoft Yi Baiti"/>
+        <a:font script="Tibt" typeface="Microsoft Himalaya"/>
+        <a:font script="Thaa" typeface="MV Boli"/>
+        <a:font script="Deva" typeface="Mangal"/>
+        <a:font script="Telu" typeface="Gautami"/>
+        <a:font script="Taml" typeface="Latha"/>
+        <a:font script="Syrc" typeface="Estrangelo Edessa"/>
+        <a:font script="Orya" typeface="Kalinga"/>
+        <a:font script="Mlym" typeface="Kartika"/>
+        <a:font script="Laoo" typeface="DokChampa"/>
+        <a:font script="Sinh" typeface="Iskoola Pota"/>
+        <a:font script="Mong" typeface="Mongolian Baiti"/>
+        <a:font script="Viet" typeface="Times New Roman"/>
+        <a:font script="Uigh" typeface="Microsoft Uighur"/>
+        <a:font script="Geor" typeface="Sylfaen"/>
+        <a:font script="Armn" typeface="Arial"/>
+        <a:font script="Bugi" typeface="Leelawadee UI"/>
+        <a:font script="Bopo" typeface="Microsoft JhengHei"/>
+        <a:font script="Java" typeface="Javanese Text"/>
+        <a:font script="Lisu" typeface="Segoe UI"/>
+        <a:font script="Mymr" typeface="Myanmar Text"/>
+        <a:font script="Nkoo" typeface="Ebrima"/>
+        <a:font script="Olck" typeface="Nirmala UI"/>
+        <a:font script="Osma" typeface="Ebrima"/>
+        <a:font script="Phag" typeface="Phagspa"/>
+        <a:font script="Syrn" typeface="Estrangelo Edessa"/>
+        <a:font script="Syrj" typeface="Estrangelo Edessa"/>
+        <a:font script="Syre" typeface="Estrangelo Edessa"/>
+        <a:font script="Sora" typeface="Nirmala UI"/>
+        <a:font script="Tale" typeface="Microsoft Tai Le"/>
+        <a:font script="Talu" typeface="Microsoft New Tai Lue"/>
+        <a:font script="Tfng" typeface="Ebrima"/>
+      </a:majorFont>
+      <a:minorFont>
+        <a:latin typeface="Calibri" panose="020F0502020204030204"/>
+        <a:ea typeface=""/>
+        <a:cs typeface=""/>
+        <a:font script="Jpan" typeface="游ゴシック"/>
+        <a:font script="Hang" typeface="맑은 고딕"/>
+        <a:font script="Hans" typeface="等线"/>
+        <a:font script="Hant" typeface="新細明體"/>
+        <a:font script="Arab" typeface="Arial"/>
+        <a:font script="Hebr" typeface="Arial"/>
+        <a:font script="Thai" typeface="Cordia New"/>
+        <a:font script="Ethi" typeface="Nyala"/>
+        <a:font script="Beng" typeface="Vrinda"/>
+        <a:font script="Gujr" typeface="Shruti"/>
+        <a:font script="Khmr" typeface="DaunPenh"/>
+        <a:font script="Knda" typeface="Tunga"/>
+        <a:font script="Guru" typeface="Raavi"/>
+        <a:font script="Cans" typeface="Euphemia"/>
+        <a:font script="Cher" typeface="Plantagenet Cherokee"/>
+        <a:font script="Yiii" typeface="Microsoft Yi Baiti"/>
+        <a:font script="Tibt" typeface="Microsoft Himalaya"/>
+        <a:font script="Thaa" typeface="MV Boli"/>
+        <a:font script="Deva" typeface="Mangal"/>
+        <a:font script="Telu" typeface="Gautami"/>
+        <a:font script="Taml" typeface="Latha"/>
+        <a:font script="Syrc" typeface="Estrangelo Edessa"/>
+        <a:font script="Orya" typeface="Kalinga"/>
+        <a:font script="Mlym" typeface="Kartika"/>
+        <a:font script="Laoo" typeface="DokChampa"/>
+        <a:font script="Sinh" typeface="Iskoola Pota"/>
+        <a:font script="Mong" typeface="Mongolian Baiti"/>
+        <a:font script="Viet" typeface="Arial"/>
+        <a:font script="Uigh" typeface="Microsoft Uighur"/>
+        <a:font script="Geor" typeface="Sylfaen"/>
+        <a:font script="Armn" typeface="Arial"/>
+        <a:font script="Bugi" typeface="Leelawadee UI"/>
+        <a:font script="Bopo" typeface="Microsoft JhengHei"/>
+        <a:font script="Java" typeface="Javanese Text"/>
+        <a:font script="Lisu" typeface="Segoe UI"/>
+        <a:font script="Mymr" typeface="Myanmar Text"/>
+        <a:font script="Nkoo" typeface="Ebrima"/>
+        <a:font script="Olck" typeface="Nirmala UI"/>
+        <a:font script="Osma" typeface="Ebrima"/>
+        <a:font script="Phag" typeface="Phagspa"/>
+        <a:font script="Syrn" typeface="Estrangelo Edessa"/>
+        <a:font script="Syrj" typeface="Estrangelo Edessa"/>
+        <a:font script="Syre" typeface="Estrangelo Edessa"/>
+        <a:font script="Sora" typeface="Nirmala UI"/>
+        <a:font script="Tale" typeface="Microsoft Tai Le"/>
+        <a:font script="Talu" typeface="Microsoft New Tai Lue"/>
+        <a:font script="Tfng" typeface="Ebrima"/>
+      </a:minorFont>
+    </a:fontScheme>
+    <a:fmtScheme name="Office">
+      <a:fillStyleLst>
+        <a:solidFill>
+          <a:schemeClr val="phClr"/>
+        </a:solidFill>
+        <a:gradFill rotWithShape="1">
+          <a:gsLst>
+            <a:gs pos="0">
+              <a:schemeClr val="phClr">
+                <a:lumMod val="110000"/>
+                <a:satMod val="105000"/>
+                <a:tint val="67000"/>
+              </a:schemeClr>
+            </a:gs>
+            <a:gs pos="50000">
+              <a:schemeClr val="phClr">
+                <a:lumMod val="105000"/>
+                <a:satMod val="103000"/>
+                <a:tint val="73000"/>
+              </a:schemeClr>
+            </a:gs>
+            <a:gs pos="100000">
+              <a:schemeClr val="phClr">
+                <a:lumMod val="105000"/>
+                <a:satMod val="109000"/>
+                <a:tint val="81000"/>
+              </a:schemeClr>
+            </a:gs>
+          </a:gsLst>
+          <a:lin ang="5400000" scaled="0"/>
+        </a:gradFill>
+        <a:gradFill rotWithShape="1">
+          <a:gsLst>
+            <a:gs pos="0">
+              <a:schemeClr val="phClr">
+                <a:satMod val="103000"/>
+                <a:lumMod val="102000"/>
+                <a:tint val="94000"/>
+              </a:schemeClr>
+            </a:gs>
+            <a:gs pos="50000">
+              <a:schemeClr val="phClr">
+                <a:satMod val="110000"/>
+                <a:lumMod val="100000"/>
+                <a:shade val="100000"/>
+              </a:schemeClr>
+            </a:gs>
+            <a:gs pos="100000">
+              <a:schemeClr val="phClr">
+                <a:lumMod val="99000"/>
+                <a:satMod val="120000"/>
+                <a:shade val="78000"/>
+              </a:schemeClr>
+            </a:gs>
+          </a:gsLst>
+          <a:lin ang="5400000" scaled="0"/>
+        </a:gradFill>
+      </a:fillStyleLst>
+      <a:lnStyleLst>
+        <a:ln w="6350" cap="flat" cmpd="sng" algn="ctr">
+          <a:solidFill>
+            <a:schemeClr val="phClr"/>
+          </a:solidFill>
+          <a:prstDash val="solid"/>
+          <a:miter lim="800000"/>
+        </a:ln>
+        <a:ln w="12700" cap="flat" cmpd="sng" algn="ctr">
+          <a:solidFill>
+            <a:schemeClr val="phClr"/>
+          </a:solidFill>
+          <a:prstDash val="solid"/>
+          <a:miter lim="800000"/>
+        </a:ln>
+        <a:ln w="19050" cap="flat" cmpd="sng" algn="ctr">
+          <a:solidFill>
+            <a:schemeClr val="phClr"/>
+          </a:solidFill>
+          <a:prstDash val="solid"/>
+          <a:miter lim="800000"/>
+        </a:ln>
+      </a:lnStyleLst>
+      <a:effectStyleLst>
+        <a:effectStyle>
+          <a:effectLst/>
+        </a:effectStyle>
+        <a:effectStyle>
+          <a:effectLst/>
+        </a:effectStyle>
+        <a:effectStyle>
+          <a:effectLst>
+            <a:outerShdw blurRad="57150" dist="19050" dir="5400000" algn="ctr" rotWithShape="0">
+              <a:srgbClr val="000000">
+                <a:alpha val="63000"/>
+              </a:srgbClr>
+            </a:outerShdw>
+          </a:effectLst>
+        </a:effectStyle>
+      </a:effectStyleLst>
+      <a:bgFillStyleLst>
+        <a:solidFill>
+          <a:schemeClr val="phClr"/>
+        </a:solidFill>
+        <a:solidFill>
+          <a:schemeClr val="phClr">
+            <a:tint val="95000"/>
+            <a:satMod val="170000"/>
+          </a:schemeClr>
+        </a:solidFill>
+        <a:gradFill rotWithShape="1">
+          <a:gsLst>
+            <a:gs pos="0">
+              <a:schemeClr val="phClr">
+                <a:tint val="93000"/>
+                <a:satMod val="150000"/>
+                <a:shade val="98000"/>
+                <a:lumMod val="102000"/>
+              </a:schemeClr>
+            </a:gs>
+            <a:gs pos="50000">
+              <a:schemeClr val="phClr">
+                <a:tint val="98000"/>
+                <a:satMod val="130000"/>
+                <a:shade val="90000"/>
+                <a:lumMod val="103000"/>
+              </a:schemeClr>
+            </a:gs>
+            <a:gs pos="100000">
+              <a:schemeClr val="phClr">
+                <a:shade val="63000"/>
+                <a:satMod val="120000"/>
+              </a:schemeClr>
+            </a:gs>
+          </a:gsLst>
+          <a:lin ang="5400000" scaled="0"/>
+        </a:gradFill>
+      </a:bgFillStyleLst>
+    </a:fmtScheme>
+  </a:themeElements>
+  <a:objectDefaults/>
+  <a:extraClrSchemeLst/>
+  <a:extLst>
+    <a:ext uri="{05A4C25C-085E-4340-85A3-A5531E510DB2}">
+      <thm15:themeFamily xmlns:thm15="http://schemas.microsoft.com/office/thememl/2012/main" name="Office Theme" id="{62F939B6-93AF-4DB8-9C6B-D6C7DFDC589F}" vid="{4A3C46E8-61CC-4603-A589-7422A47A8E4A}"/>
+    </a:ext>
+  </a:extLst>
+</a:theme>
 </file>